--- a/Guidelines.pptx
+++ b/Guidelines.pptx
@@ -10,9 +10,6 @@
     <p:sldId id="257" r:id="rId4"/>
     <p:sldId id="258" r:id="rId5"/>
     <p:sldId id="259" r:id="rId6"/>
-    <p:sldId id="260" r:id="rId7"/>
-    <p:sldId id="261" r:id="rId8"/>
-    <p:sldId id="262" r:id="rId9"/>
   </p:sldIdLst>
   <p:sldSz cx="12192000" cy="6858000"/>
   <p:notesSz cx="6858000" cy="9144000"/>
@@ -111,6 +108,11 @@
       </a:defRPr>
     </a:lvl9pPr>
   </p:defaultTextStyle>
+  <p:extLst>
+    <p:ext uri="{EFAFB233-063F-42B5-8137-9DF3F51BA10A}">
+      <p15:sldGuideLst xmlns:p15="http://schemas.microsoft.com/office/powerpoint/2012/main"/>
+    </p:ext>
+  </p:extLst>
 </p:presentation>
 </file>
 
@@ -261,7 +263,7 @@
           <a:p>
             <a:fld id="{1E99DA8F-0D33-4D8F-B0AC-18F2FFBD780F}" type="datetimeFigureOut">
               <a:rPr lang="en-US" smtClean="0"/>
-              <a:t>9/24/2018</a:t>
+              <a:t>9/25/2018</a:t>
             </a:fld>
             <a:endParaRPr lang="en-US"/>
           </a:p>
@@ -459,7 +461,7 @@
           <a:p>
             <a:fld id="{1E99DA8F-0D33-4D8F-B0AC-18F2FFBD780F}" type="datetimeFigureOut">
               <a:rPr lang="en-US" smtClean="0"/>
-              <a:t>9/24/2018</a:t>
+              <a:t>9/25/2018</a:t>
             </a:fld>
             <a:endParaRPr lang="en-US"/>
           </a:p>
@@ -667,7 +669,7 @@
           <a:p>
             <a:fld id="{1E99DA8F-0D33-4D8F-B0AC-18F2FFBD780F}" type="datetimeFigureOut">
               <a:rPr lang="en-US" smtClean="0"/>
-              <a:t>9/24/2018</a:t>
+              <a:t>9/25/2018</a:t>
             </a:fld>
             <a:endParaRPr lang="en-US"/>
           </a:p>
@@ -865,7 +867,7 @@
           <a:p>
             <a:fld id="{1E99DA8F-0D33-4D8F-B0AC-18F2FFBD780F}" type="datetimeFigureOut">
               <a:rPr lang="en-US" smtClean="0"/>
-              <a:t>9/24/2018</a:t>
+              <a:t>9/25/2018</a:t>
             </a:fld>
             <a:endParaRPr lang="en-US"/>
           </a:p>
@@ -1140,7 +1142,7 @@
           <a:p>
             <a:fld id="{1E99DA8F-0D33-4D8F-B0AC-18F2FFBD780F}" type="datetimeFigureOut">
               <a:rPr lang="en-US" smtClean="0"/>
-              <a:t>9/24/2018</a:t>
+              <a:t>9/25/2018</a:t>
             </a:fld>
             <a:endParaRPr lang="en-US"/>
           </a:p>
@@ -1405,7 +1407,7 @@
           <a:p>
             <a:fld id="{1E99DA8F-0D33-4D8F-B0AC-18F2FFBD780F}" type="datetimeFigureOut">
               <a:rPr lang="en-US" smtClean="0"/>
-              <a:t>9/24/2018</a:t>
+              <a:t>9/25/2018</a:t>
             </a:fld>
             <a:endParaRPr lang="en-US"/>
           </a:p>
@@ -1817,7 +1819,7 @@
           <a:p>
             <a:fld id="{1E99DA8F-0D33-4D8F-B0AC-18F2FFBD780F}" type="datetimeFigureOut">
               <a:rPr lang="en-US" smtClean="0"/>
-              <a:t>9/24/2018</a:t>
+              <a:t>9/25/2018</a:t>
             </a:fld>
             <a:endParaRPr lang="en-US"/>
           </a:p>
@@ -1958,7 +1960,7 @@
           <a:p>
             <a:fld id="{1E99DA8F-0D33-4D8F-B0AC-18F2FFBD780F}" type="datetimeFigureOut">
               <a:rPr lang="en-US" smtClean="0"/>
-              <a:t>9/24/2018</a:t>
+              <a:t>9/25/2018</a:t>
             </a:fld>
             <a:endParaRPr lang="en-US"/>
           </a:p>
@@ -2071,7 +2073,7 @@
           <a:p>
             <a:fld id="{1E99DA8F-0D33-4D8F-B0AC-18F2FFBD780F}" type="datetimeFigureOut">
               <a:rPr lang="en-US" smtClean="0"/>
-              <a:t>9/24/2018</a:t>
+              <a:t>9/25/2018</a:t>
             </a:fld>
             <a:endParaRPr lang="en-US"/>
           </a:p>
@@ -2382,7 +2384,7 @@
           <a:p>
             <a:fld id="{1E99DA8F-0D33-4D8F-B0AC-18F2FFBD780F}" type="datetimeFigureOut">
               <a:rPr lang="en-US" smtClean="0"/>
-              <a:t>9/24/2018</a:t>
+              <a:t>9/25/2018</a:t>
             </a:fld>
             <a:endParaRPr lang="en-US"/>
           </a:p>
@@ -2670,7 +2672,7 @@
           <a:p>
             <a:fld id="{1E99DA8F-0D33-4D8F-B0AC-18F2FFBD780F}" type="datetimeFigureOut">
               <a:rPr lang="en-US" smtClean="0"/>
-              <a:t>9/24/2018</a:t>
+              <a:t>9/25/2018</a:t>
             </a:fld>
             <a:endParaRPr lang="en-US"/>
           </a:p>
@@ -2911,7 +2913,7 @@
           <a:p>
             <a:fld id="{1E99DA8F-0D33-4D8F-B0AC-18F2FFBD780F}" type="datetimeFigureOut">
               <a:rPr lang="en-US" smtClean="0"/>
-              <a:t>9/24/2018</a:t>
+              <a:t>9/25/2018</a:t>
             </a:fld>
             <a:endParaRPr lang="en-US"/>
           </a:p>
@@ -3856,246 +3858,6 @@
 </p:sld>
 </file>
 
-<file path=ppt/slides/slide6.xml><?xml version="1.0" encoding="utf-8"?>
-<p:sld xmlns:a="http://schemas.openxmlformats.org/drawingml/2006/main" xmlns:r="http://schemas.openxmlformats.org/officeDocument/2006/relationships" xmlns:p="http://schemas.openxmlformats.org/presentationml/2006/main">
-  <p:cSld>
-    <p:spTree>
-      <p:nvGrpSpPr>
-        <p:cNvPr id="1" name=""/>
-        <p:cNvGrpSpPr/>
-        <p:nvPr/>
-      </p:nvGrpSpPr>
-      <p:grpSpPr>
-        <a:xfrm>
-          <a:off x="0" y="0"/>
-          <a:ext cx="0" cy="0"/>
-          <a:chOff x="0" y="0"/>
-          <a:chExt cx="0" cy="0"/>
-        </a:xfrm>
-      </p:grpSpPr>
-      <p:sp>
-        <p:nvSpPr>
-          <p:cNvPr id="2" name="Title 1">
-            <a:extLst>
-              <a:ext uri="{FF2B5EF4-FFF2-40B4-BE49-F238E27FC236}">
-                <a16:creationId xmlns:a16="http://schemas.microsoft.com/office/drawing/2014/main" id="{994A050E-3815-4FA6-A565-953284A6AA30}"/>
-              </a:ext>
-            </a:extLst>
-          </p:cNvPr>
-          <p:cNvSpPr>
-            <a:spLocks noGrp="1"/>
-          </p:cNvSpPr>
-          <p:nvPr>
-            <p:ph type="title"/>
-          </p:nvPr>
-        </p:nvSpPr>
-        <p:spPr/>
-        <p:txBody>
-          <a:bodyPr/>
-          <a:lstStyle/>
-          <a:p>
-            <a:endParaRPr lang="en-US"/>
-          </a:p>
-        </p:txBody>
-      </p:sp>
-      <p:sp>
-        <p:nvSpPr>
-          <p:cNvPr id="3" name="Content Placeholder 2">
-            <a:extLst>
-              <a:ext uri="{FF2B5EF4-FFF2-40B4-BE49-F238E27FC236}">
-                <a16:creationId xmlns:a16="http://schemas.microsoft.com/office/drawing/2014/main" id="{CAAF3111-159A-4984-84A6-5549F2C24458}"/>
-              </a:ext>
-            </a:extLst>
-          </p:cNvPr>
-          <p:cNvSpPr>
-            <a:spLocks noGrp="1"/>
-          </p:cNvSpPr>
-          <p:nvPr>
-            <p:ph idx="1"/>
-          </p:nvPr>
-        </p:nvSpPr>
-        <p:spPr/>
-        <p:txBody>
-          <a:bodyPr/>
-          <a:lstStyle/>
-          <a:p>
-            <a:endParaRPr lang="en-US"/>
-          </a:p>
-        </p:txBody>
-      </p:sp>
-    </p:spTree>
-    <p:extLst>
-      <p:ext uri="{BB962C8B-B14F-4D97-AF65-F5344CB8AC3E}">
-        <p14:creationId xmlns:p14="http://schemas.microsoft.com/office/powerpoint/2010/main" val="192317588"/>
-      </p:ext>
-    </p:extLst>
-  </p:cSld>
-  <p:clrMapOvr>
-    <a:masterClrMapping/>
-  </p:clrMapOvr>
-</p:sld>
-</file>
-
-<file path=ppt/slides/slide7.xml><?xml version="1.0" encoding="utf-8"?>
-<p:sld xmlns:a="http://schemas.openxmlformats.org/drawingml/2006/main" xmlns:r="http://schemas.openxmlformats.org/officeDocument/2006/relationships" xmlns:p="http://schemas.openxmlformats.org/presentationml/2006/main">
-  <p:cSld>
-    <p:spTree>
-      <p:nvGrpSpPr>
-        <p:cNvPr id="1" name=""/>
-        <p:cNvGrpSpPr/>
-        <p:nvPr/>
-      </p:nvGrpSpPr>
-      <p:grpSpPr>
-        <a:xfrm>
-          <a:off x="0" y="0"/>
-          <a:ext cx="0" cy="0"/>
-          <a:chOff x="0" y="0"/>
-          <a:chExt cx="0" cy="0"/>
-        </a:xfrm>
-      </p:grpSpPr>
-      <p:sp>
-        <p:nvSpPr>
-          <p:cNvPr id="2" name="Title 1">
-            <a:extLst>
-              <a:ext uri="{FF2B5EF4-FFF2-40B4-BE49-F238E27FC236}">
-                <a16:creationId xmlns:a16="http://schemas.microsoft.com/office/drawing/2014/main" id="{CFA8F58B-8287-419D-9C4D-84EA68F9E489}"/>
-              </a:ext>
-            </a:extLst>
-          </p:cNvPr>
-          <p:cNvSpPr>
-            <a:spLocks noGrp="1"/>
-          </p:cNvSpPr>
-          <p:nvPr>
-            <p:ph type="title"/>
-          </p:nvPr>
-        </p:nvSpPr>
-        <p:spPr/>
-        <p:txBody>
-          <a:bodyPr/>
-          <a:lstStyle/>
-          <a:p>
-            <a:endParaRPr lang="en-US"/>
-          </a:p>
-        </p:txBody>
-      </p:sp>
-      <p:sp>
-        <p:nvSpPr>
-          <p:cNvPr id="3" name="Content Placeholder 2">
-            <a:extLst>
-              <a:ext uri="{FF2B5EF4-FFF2-40B4-BE49-F238E27FC236}">
-                <a16:creationId xmlns:a16="http://schemas.microsoft.com/office/drawing/2014/main" id="{4C5B0168-A073-4754-98DA-F60410721777}"/>
-              </a:ext>
-            </a:extLst>
-          </p:cNvPr>
-          <p:cNvSpPr>
-            <a:spLocks noGrp="1"/>
-          </p:cNvSpPr>
-          <p:nvPr>
-            <p:ph idx="1"/>
-          </p:nvPr>
-        </p:nvSpPr>
-        <p:spPr/>
-        <p:txBody>
-          <a:bodyPr/>
-          <a:lstStyle/>
-          <a:p>
-            <a:endParaRPr lang="en-US"/>
-          </a:p>
-        </p:txBody>
-      </p:sp>
-    </p:spTree>
-    <p:extLst>
-      <p:ext uri="{BB962C8B-B14F-4D97-AF65-F5344CB8AC3E}">
-        <p14:creationId xmlns:p14="http://schemas.microsoft.com/office/powerpoint/2010/main" val="2146902972"/>
-      </p:ext>
-    </p:extLst>
-  </p:cSld>
-  <p:clrMapOvr>
-    <a:masterClrMapping/>
-  </p:clrMapOvr>
-</p:sld>
-</file>
-
-<file path=ppt/slides/slide8.xml><?xml version="1.0" encoding="utf-8"?>
-<p:sld xmlns:a="http://schemas.openxmlformats.org/drawingml/2006/main" xmlns:r="http://schemas.openxmlformats.org/officeDocument/2006/relationships" xmlns:p="http://schemas.openxmlformats.org/presentationml/2006/main">
-  <p:cSld>
-    <p:spTree>
-      <p:nvGrpSpPr>
-        <p:cNvPr id="1" name=""/>
-        <p:cNvGrpSpPr/>
-        <p:nvPr/>
-      </p:nvGrpSpPr>
-      <p:grpSpPr>
-        <a:xfrm>
-          <a:off x="0" y="0"/>
-          <a:ext cx="0" cy="0"/>
-          <a:chOff x="0" y="0"/>
-          <a:chExt cx="0" cy="0"/>
-        </a:xfrm>
-      </p:grpSpPr>
-      <p:sp>
-        <p:nvSpPr>
-          <p:cNvPr id="2" name="Title 1">
-            <a:extLst>
-              <a:ext uri="{FF2B5EF4-FFF2-40B4-BE49-F238E27FC236}">
-                <a16:creationId xmlns:a16="http://schemas.microsoft.com/office/drawing/2014/main" id="{4821AB5F-89CC-4768-B882-881BF0A8B410}"/>
-              </a:ext>
-            </a:extLst>
-          </p:cNvPr>
-          <p:cNvSpPr>
-            <a:spLocks noGrp="1"/>
-          </p:cNvSpPr>
-          <p:nvPr>
-            <p:ph type="title"/>
-          </p:nvPr>
-        </p:nvSpPr>
-        <p:spPr/>
-        <p:txBody>
-          <a:bodyPr/>
-          <a:lstStyle/>
-          <a:p>
-            <a:endParaRPr lang="en-US"/>
-          </a:p>
-        </p:txBody>
-      </p:sp>
-      <p:sp>
-        <p:nvSpPr>
-          <p:cNvPr id="3" name="Content Placeholder 2">
-            <a:extLst>
-              <a:ext uri="{FF2B5EF4-FFF2-40B4-BE49-F238E27FC236}">
-                <a16:creationId xmlns:a16="http://schemas.microsoft.com/office/drawing/2014/main" id="{0712F1AE-9B88-4296-B195-3B347C399531}"/>
-              </a:ext>
-            </a:extLst>
-          </p:cNvPr>
-          <p:cNvSpPr>
-            <a:spLocks noGrp="1"/>
-          </p:cNvSpPr>
-          <p:nvPr>
-            <p:ph idx="1"/>
-          </p:nvPr>
-        </p:nvSpPr>
-        <p:spPr/>
-        <p:txBody>
-          <a:bodyPr/>
-          <a:lstStyle/>
-          <a:p>
-            <a:endParaRPr lang="en-US"/>
-          </a:p>
-        </p:txBody>
-      </p:sp>
-    </p:spTree>
-    <p:extLst>
-      <p:ext uri="{BB962C8B-B14F-4D97-AF65-F5344CB8AC3E}">
-        <p14:creationId xmlns:p14="http://schemas.microsoft.com/office/powerpoint/2010/main" val="2305537627"/>
-      </p:ext>
-    </p:extLst>
-  </p:cSld>
-  <p:clrMapOvr>
-    <a:masterClrMapping/>
-  </p:clrMapOvr>
-</p:sld>
-</file>
-
 <file path=ppt/theme/theme1.xml><?xml version="1.0" encoding="utf-8"?>
 <a:theme xmlns:a="http://schemas.openxmlformats.org/drawingml/2006/main" name="Office Theme">
   <a:themeElements>
